--- a/AJP Slides/AJP (01ce0502) - Unit 2 - JDBC.pptx
+++ b/AJP Slides/AJP (01ce0502) - Unit 2 - JDBC.pptx
@@ -325,7 +325,7 @@
           <a:p>
             <a:fld id="{EBCDB223-1744-4BBC-9844-9773C6B7C09F}" type="datetimeFigureOut">
               <a:rPr lang="en-IN" smtClean="0"/>
-              <a:t>23-08-2022</a:t>
+              <a:t>15-11-2022</a:t>
             </a:fld>
             <a:endParaRPr lang="en-IN"/>
           </a:p>
@@ -490,7 +490,7 @@
           <a:p>
             <a:fld id="{EA89CDE9-15B3-4418-B829-6A0B102FE7D6}" type="datetimeFigureOut">
               <a:rPr lang="en-IN" smtClean="0"/>
-              <a:t>23-08-2022</a:t>
+              <a:t>15-11-2022</a:t>
             </a:fld>
             <a:endParaRPr lang="en-IN"/>
           </a:p>
@@ -1075,7 +1075,7 @@
           <a:p>
             <a:fld id="{E906B210-3390-405F-BB21-1086F4989AE1}" type="datetime1">
               <a:rPr lang="en-IN" smtClean="0"/>
-              <a:t>23-08-2022</a:t>
+              <a:t>15-11-2022</a:t>
             </a:fld>
             <a:endParaRPr lang="en-IN"/>
           </a:p>
@@ -1249,7 +1249,7 @@
           <a:p>
             <a:fld id="{801F5B72-9ACB-43BB-83D9-FC27C4C8081B}" type="datetime1">
               <a:rPr lang="en-IN" smtClean="0"/>
-              <a:t>23-08-2022</a:t>
+              <a:t>15-11-2022</a:t>
             </a:fld>
             <a:endParaRPr lang="en-IN"/>
           </a:p>
@@ -1430,7 +1430,7 @@
           <a:p>
             <a:fld id="{CC2102C9-A4D6-4390-931A-C0AEB38A5AAD}" type="datetime1">
               <a:rPr lang="en-IN" smtClean="0"/>
-              <a:t>23-08-2022</a:t>
+              <a:t>15-11-2022</a:t>
             </a:fld>
             <a:endParaRPr lang="en-IN"/>
           </a:p>
@@ -1601,7 +1601,7 @@
           <a:p>
             <a:fld id="{A684614E-FEE9-493C-B950-411949F3AC4A}" type="datetime1">
               <a:rPr lang="en-IN" smtClean="0"/>
-              <a:t>23-08-2022</a:t>
+              <a:t>15-11-2022</a:t>
             </a:fld>
             <a:endParaRPr lang="en-IN"/>
           </a:p>
@@ -1860,7 +1860,7 @@
           <a:p>
             <a:fld id="{49B90D15-328C-4768-ACDF-1344DBA813C4}" type="datetime1">
               <a:rPr lang="en-IN" smtClean="0"/>
-              <a:t>23-08-2022</a:t>
+              <a:t>15-11-2022</a:t>
             </a:fld>
             <a:endParaRPr lang="en-IN"/>
           </a:p>
@@ -2152,7 +2152,7 @@
           <a:p>
             <a:fld id="{20EA72DE-C074-451D-BD6A-0F55AC69D739}" type="datetime1">
               <a:rPr lang="en-IN" smtClean="0"/>
-              <a:t>23-08-2022</a:t>
+              <a:t>15-11-2022</a:t>
             </a:fld>
             <a:endParaRPr lang="en-IN"/>
           </a:p>
@@ -2598,7 +2598,7 @@
           <a:p>
             <a:fld id="{47A63560-E1C1-40AC-8B7D-BD825B22BEFF}" type="datetime1">
               <a:rPr lang="en-IN" smtClean="0"/>
-              <a:t>23-08-2022</a:t>
+              <a:t>15-11-2022</a:t>
             </a:fld>
             <a:endParaRPr lang="en-IN"/>
           </a:p>
@@ -2717,7 +2717,7 @@
           <a:p>
             <a:fld id="{2CBBF14E-C334-4C7D-8138-377293B5A0E3}" type="datetime1">
               <a:rPr lang="en-IN" smtClean="0"/>
-              <a:t>23-08-2022</a:t>
+              <a:t>15-11-2022</a:t>
             </a:fld>
             <a:endParaRPr lang="en-IN"/>
           </a:p>
@@ -2816,7 +2816,7 @@
           <a:p>
             <a:fld id="{164CDB3E-9F58-40C5-A154-E2FC57D6783F}" type="datetime1">
               <a:rPr lang="en-IN" smtClean="0"/>
-              <a:t>23-08-2022</a:t>
+              <a:t>15-11-2022</a:t>
             </a:fld>
             <a:endParaRPr lang="en-IN"/>
           </a:p>
@@ -3108,7 +3108,7 @@
           <a:p>
             <a:fld id="{8FAD03CF-61BB-4305-BEC8-04DF2051D6AB}" type="datetime1">
               <a:rPr lang="en-IN" smtClean="0"/>
-              <a:t>23-08-2022</a:t>
+              <a:t>15-11-2022</a:t>
             </a:fld>
             <a:endParaRPr lang="en-IN"/>
           </a:p>
@@ -3382,7 +3382,7 @@
           <a:p>
             <a:fld id="{BB8F3FFF-D686-49FA-A133-72293E3F533C}" type="datetime1">
               <a:rPr lang="en-IN" smtClean="0"/>
-              <a:t>23-08-2022</a:t>
+              <a:t>15-11-2022</a:t>
             </a:fld>
             <a:endParaRPr lang="en-IN"/>
           </a:p>
@@ -3681,7 +3681,7 @@
           <a:p>
             <a:fld id="{90702C43-4767-4078-BF7E-2E5C06B73457}" type="datetime1">
               <a:rPr lang="en-IN" smtClean="0"/>
-              <a:t>23-08-2022</a:t>
+              <a:t>15-11-2022</a:t>
             </a:fld>
             <a:endParaRPr lang="en-IN"/>
           </a:p>
@@ -4953,316 +4953,6 @@
           <a:lstStyle/>
           <a:p>
             <a:endParaRPr lang="en-IN"/>
-          </a:p>
-        </p:txBody>
-      </p:sp>
-      <p:sp>
-        <p:nvSpPr>
-          <p:cNvPr id="17" name="Subtitle 2"/>
-          <p:cNvSpPr txBox="1">
-            <a:spLocks/>
-          </p:cNvSpPr>
-          <p:nvPr/>
-        </p:nvSpPr>
-        <p:spPr>
-          <a:xfrm>
-            <a:off x="66677" y="5213787"/>
-            <a:ext cx="7781924" cy="826519"/>
-          </a:xfrm>
-          <a:prstGeom prst="rect">
-            <a:avLst/>
-          </a:prstGeom>
-        </p:spPr>
-        <p:txBody>
-          <a:bodyPr vert="horz" lIns="91440" tIns="45720" rIns="91440" bIns="45720" rtlCol="0" anchor="t">
-            <a:noAutofit/>
-          </a:bodyPr>
-          <a:lstStyle>
-            <a:lvl1pPr marL="0" indent="0" algn="l" defTabSz="914400" rtl="0" eaLnBrk="1" latinLnBrk="0" hangingPunct="1">
-              <a:lnSpc>
-                <a:spcPct val="90000"/>
-              </a:lnSpc>
-              <a:spcBef>
-                <a:spcPts val="1200"/>
-              </a:spcBef>
-              <a:buClr>
-                <a:schemeClr val="accent1"/>
-              </a:buClr>
-              <a:buFont typeface="Wingdings 2" pitchFamily="18" charset="2"/>
-              <a:buNone/>
-              <a:defRPr sz="2200" kern="1200" cap="none" spc="0" baseline="0">
-                <a:solidFill>
-                  <a:schemeClr val="accent1">
-                    <a:lumMod val="20000"/>
-                    <a:lumOff val="80000"/>
-                  </a:schemeClr>
-                </a:solidFill>
-                <a:latin typeface="+mn-lt"/>
-                <a:ea typeface="+mn-ea"/>
-                <a:cs typeface="+mn-cs"/>
-              </a:defRPr>
-            </a:lvl1pPr>
-            <a:lvl2pPr marL="457200" indent="0" algn="ctr" defTabSz="914400" rtl="0" eaLnBrk="1" latinLnBrk="0" hangingPunct="1">
-              <a:lnSpc>
-                <a:spcPct val="90000"/>
-              </a:lnSpc>
-              <a:spcBef>
-                <a:spcPts val="250"/>
-              </a:spcBef>
-              <a:spcAft>
-                <a:spcPts val="250"/>
-              </a:spcAft>
-              <a:buClr>
-                <a:schemeClr val="accent1"/>
-              </a:buClr>
-              <a:buFont typeface="Wingdings 2" pitchFamily="18" charset="2"/>
-              <a:buNone/>
-              <a:defRPr sz="2200" kern="1200">
-                <a:solidFill>
-                  <a:schemeClr val="tx1">
-                    <a:lumMod val="65000"/>
-                    <a:lumOff val="35000"/>
-                  </a:schemeClr>
-                </a:solidFill>
-                <a:latin typeface="+mn-lt"/>
-                <a:ea typeface="+mn-ea"/>
-                <a:cs typeface="+mn-cs"/>
-              </a:defRPr>
-            </a:lvl2pPr>
-            <a:lvl3pPr marL="914400" indent="0" algn="ctr" defTabSz="914400" rtl="0" eaLnBrk="1" latinLnBrk="0" hangingPunct="1">
-              <a:lnSpc>
-                <a:spcPct val="90000"/>
-              </a:lnSpc>
-              <a:spcBef>
-                <a:spcPts val="250"/>
-              </a:spcBef>
-              <a:spcAft>
-                <a:spcPts val="250"/>
-              </a:spcAft>
-              <a:buClr>
-                <a:schemeClr val="accent1"/>
-              </a:buClr>
-              <a:buFont typeface="Wingdings 2" pitchFamily="18" charset="2"/>
-              <a:buNone/>
-              <a:defRPr sz="2200" kern="1200">
-                <a:solidFill>
-                  <a:schemeClr val="tx1">
-                    <a:lumMod val="65000"/>
-                    <a:lumOff val="35000"/>
-                  </a:schemeClr>
-                </a:solidFill>
-                <a:latin typeface="+mn-lt"/>
-                <a:ea typeface="+mn-ea"/>
-                <a:cs typeface="+mn-cs"/>
-              </a:defRPr>
-            </a:lvl3pPr>
-            <a:lvl4pPr marL="1371600" indent="0" algn="ctr" defTabSz="914400" rtl="0" eaLnBrk="1" latinLnBrk="0" hangingPunct="1">
-              <a:lnSpc>
-                <a:spcPct val="90000"/>
-              </a:lnSpc>
-              <a:spcBef>
-                <a:spcPts val="250"/>
-              </a:spcBef>
-              <a:spcAft>
-                <a:spcPts val="250"/>
-              </a:spcAft>
-              <a:buClr>
-                <a:schemeClr val="accent1"/>
-              </a:buClr>
-              <a:buFont typeface="Wingdings 2" pitchFamily="18" charset="2"/>
-              <a:buNone/>
-              <a:defRPr sz="2000" kern="1200">
-                <a:solidFill>
-                  <a:schemeClr val="tx1">
-                    <a:lumMod val="65000"/>
-                    <a:lumOff val="35000"/>
-                  </a:schemeClr>
-                </a:solidFill>
-                <a:latin typeface="+mn-lt"/>
-                <a:ea typeface="+mn-ea"/>
-                <a:cs typeface="+mn-cs"/>
-              </a:defRPr>
-            </a:lvl4pPr>
-            <a:lvl5pPr marL="1828800" indent="0" algn="ctr" defTabSz="914400" rtl="0" eaLnBrk="1" latinLnBrk="0" hangingPunct="1">
-              <a:lnSpc>
-                <a:spcPct val="90000"/>
-              </a:lnSpc>
-              <a:spcBef>
-                <a:spcPts val="250"/>
-              </a:spcBef>
-              <a:spcAft>
-                <a:spcPts val="250"/>
-              </a:spcAft>
-              <a:buClr>
-                <a:schemeClr val="accent1"/>
-              </a:buClr>
-              <a:buFont typeface="Wingdings 2" pitchFamily="18" charset="2"/>
-              <a:buNone/>
-              <a:defRPr sz="2000" kern="1200">
-                <a:solidFill>
-                  <a:schemeClr val="tx1">
-                    <a:lumMod val="65000"/>
-                    <a:lumOff val="35000"/>
-                  </a:schemeClr>
-                </a:solidFill>
-                <a:latin typeface="+mn-lt"/>
-                <a:ea typeface="+mn-ea"/>
-                <a:cs typeface="+mn-cs"/>
-              </a:defRPr>
-            </a:lvl5pPr>
-            <a:lvl6pPr marL="2286000" indent="0" algn="ctr" defTabSz="914400" rtl="0" eaLnBrk="1" latinLnBrk="0" hangingPunct="1">
-              <a:lnSpc>
-                <a:spcPct val="90000"/>
-              </a:lnSpc>
-              <a:spcBef>
-                <a:spcPts val="250"/>
-              </a:spcBef>
-              <a:spcAft>
-                <a:spcPts val="250"/>
-              </a:spcAft>
-              <a:buClr>
-                <a:schemeClr val="accent1"/>
-              </a:buClr>
-              <a:buFont typeface="Wingdings 2" pitchFamily="18" charset="2"/>
-              <a:buNone/>
-              <a:defRPr sz="2000" kern="1200">
-                <a:solidFill>
-                  <a:schemeClr val="tx1">
-                    <a:lumMod val="65000"/>
-                    <a:lumOff val="35000"/>
-                  </a:schemeClr>
-                </a:solidFill>
-                <a:latin typeface="+mn-lt"/>
-                <a:ea typeface="+mn-ea"/>
-                <a:cs typeface="+mn-cs"/>
-              </a:defRPr>
-            </a:lvl6pPr>
-            <a:lvl7pPr marL="2743200" indent="0" algn="ctr" defTabSz="914400" rtl="0" eaLnBrk="1" latinLnBrk="0" hangingPunct="1">
-              <a:lnSpc>
-                <a:spcPct val="90000"/>
-              </a:lnSpc>
-              <a:spcBef>
-                <a:spcPts val="250"/>
-              </a:spcBef>
-              <a:spcAft>
-                <a:spcPts val="250"/>
-              </a:spcAft>
-              <a:buClr>
-                <a:schemeClr val="accent1"/>
-              </a:buClr>
-              <a:buFont typeface="Wingdings 2" pitchFamily="18" charset="2"/>
-              <a:buNone/>
-              <a:defRPr sz="2000" kern="1200">
-                <a:solidFill>
-                  <a:schemeClr val="tx1">
-                    <a:lumMod val="65000"/>
-                    <a:lumOff val="35000"/>
-                  </a:schemeClr>
-                </a:solidFill>
-                <a:latin typeface="+mn-lt"/>
-                <a:ea typeface="+mn-ea"/>
-                <a:cs typeface="+mn-cs"/>
-              </a:defRPr>
-            </a:lvl7pPr>
-            <a:lvl8pPr marL="3200400" indent="0" algn="ctr" defTabSz="914400" rtl="0" eaLnBrk="1" latinLnBrk="0" hangingPunct="1">
-              <a:lnSpc>
-                <a:spcPct val="90000"/>
-              </a:lnSpc>
-              <a:spcBef>
-                <a:spcPts val="250"/>
-              </a:spcBef>
-              <a:spcAft>
-                <a:spcPts val="250"/>
-              </a:spcAft>
-              <a:buClr>
-                <a:schemeClr val="accent1"/>
-              </a:buClr>
-              <a:buFont typeface="Wingdings 2" pitchFamily="18" charset="2"/>
-              <a:buNone/>
-              <a:defRPr sz="2000" kern="1200">
-                <a:solidFill>
-                  <a:schemeClr val="tx1">
-                    <a:lumMod val="65000"/>
-                    <a:lumOff val="35000"/>
-                  </a:schemeClr>
-                </a:solidFill>
-                <a:latin typeface="+mn-lt"/>
-                <a:ea typeface="+mn-ea"/>
-                <a:cs typeface="+mn-cs"/>
-              </a:defRPr>
-            </a:lvl8pPr>
-            <a:lvl9pPr marL="3657600" indent="0" algn="ctr" defTabSz="914400" rtl="0" eaLnBrk="1" latinLnBrk="0" hangingPunct="1">
-              <a:lnSpc>
-                <a:spcPct val="90000"/>
-              </a:lnSpc>
-              <a:spcBef>
-                <a:spcPts val="250"/>
-              </a:spcBef>
-              <a:spcAft>
-                <a:spcPts val="250"/>
-              </a:spcAft>
-              <a:buClr>
-                <a:schemeClr val="accent1"/>
-              </a:buClr>
-              <a:buFont typeface="Wingdings 2" pitchFamily="18" charset="2"/>
-              <a:buNone/>
-              <a:defRPr sz="2000" kern="1200">
-                <a:solidFill>
-                  <a:schemeClr val="tx1">
-                    <a:lumMod val="65000"/>
-                    <a:lumOff val="35000"/>
-                  </a:schemeClr>
-                </a:solidFill>
-                <a:latin typeface="+mn-lt"/>
-                <a:ea typeface="+mn-ea"/>
-                <a:cs typeface="+mn-cs"/>
-              </a:defRPr>
-            </a:lvl9pPr>
-          </a:lstStyle>
-          <a:p>
-            <a:pPr algn="ctr"/>
-            <a:r>
-              <a:rPr lang="en-IN" sz="4800" b="1" dirty="0" err="1" smtClean="0">
-                <a:ln>
-                  <a:solidFill>
-                    <a:schemeClr val="accent3">
-                      <a:lumMod val="50000"/>
-                    </a:schemeClr>
-                  </a:solidFill>
-                </a:ln>
-                <a:solidFill>
-                  <a:schemeClr val="bg1"/>
-                </a:solidFill>
-              </a:rPr>
-              <a:t>Jatin</a:t>
-            </a:r>
-            <a:r>
-              <a:rPr lang="en-IN" sz="4800" b="1" dirty="0" smtClean="0">
-                <a:ln>
-                  <a:solidFill>
-                    <a:schemeClr val="accent3">
-                      <a:lumMod val="50000"/>
-                    </a:schemeClr>
-                  </a:solidFill>
-                </a:ln>
-                <a:solidFill>
-                  <a:schemeClr val="bg1"/>
-                </a:solidFill>
-              </a:rPr>
-              <a:t> Ambasana</a:t>
-            </a:r>
-            <a:endParaRPr lang="en-IN" sz="4800" b="1" dirty="0">
-              <a:ln>
-                <a:solidFill>
-                  <a:schemeClr val="accent3">
-                    <a:lumMod val="50000"/>
-                  </a:schemeClr>
-                </a:solidFill>
-              </a:ln>
-              <a:solidFill>
-                <a:schemeClr val="bg1"/>
-              </a:solidFill>
-            </a:endParaRPr>
           </a:p>
         </p:txBody>
       </p:sp>
